--- a/SAT_ACT_analysis.pptx
+++ b/SAT_ACT_analysis.pptx
@@ -18,8 +18,8 @@
     <p:sldId id="274" r:id="rId9"/>
     <p:sldId id="277" r:id="rId10"/>
     <p:sldId id="279" r:id="rId11"/>
-    <p:sldId id="271" r:id="rId12"/>
-    <p:sldId id="280" r:id="rId13"/>
+    <p:sldId id="280" r:id="rId12"/>
+    <p:sldId id="271" r:id="rId13"/>
     <p:sldId id="276" r:id="rId14"/>
     <p:sldId id="259" r:id="rId15"/>
   </p:sldIdLst>
@@ -1592,7 +1592,6 @@
               <a:rPr lang="en-US" baseline="0" dirty="0" smtClean="0"/>
               <a:t>There were some challenges</a:t>
             </a:r>
-            <a:endParaRPr lang="en-US" baseline="0" dirty="0" smtClean="0"/>
           </a:p>
           <a:p>
             <a:pPr marL="628650" lvl="1" indent="-171450" algn="l" rtl="0">
@@ -1663,11 +1662,7 @@
             </a:pPr>
             <a:r>
               <a:rPr lang="en-US" baseline="0" dirty="0" smtClean="0"/>
-              <a:t>For ACT 2018, there were some missing participation rates that I was not able to find online. For these I extrapolated 2017’s participation rates</a:t>
-            </a:r>
-            <a:r>
-              <a:rPr lang="en-US" baseline="0" dirty="0" smtClean="0"/>
-              <a:t>.’</a:t>
+              <a:t>For ACT 2018, there were some missing participation rates that I was not able to find online. For these I extrapolated 2017’s participation rates.’</a:t>
             </a:r>
             <a:endParaRPr lang="en-US" baseline="0" dirty="0"/>
           </a:p>
@@ -2099,11 +2094,7 @@
             </a:pPr>
             <a:r>
               <a:rPr lang="en-US" baseline="0" dirty="0" smtClean="0"/>
-              <a:t>This trend was </a:t>
-            </a:r>
-            <a:r>
-              <a:rPr lang="en-US" baseline="0" dirty="0" smtClean="0"/>
-              <a:t>observed for both years (click for 2018 graph)</a:t>
+              <a:t>This trend was observed for both years (click for 2018 graph)</a:t>
             </a:r>
           </a:p>
           <a:p>
@@ -2119,13 +2110,8 @@
             </a:pPr>
             <a:r>
               <a:rPr lang="en-US" baseline="0" dirty="0" smtClean="0"/>
-              <a:t>And this was especially true in states where the SAT or the ACT is compulsory. So states with 100% participation rates (the ones here for SAT and the ones here for ACT) generally had the lowest participation rates for the </a:t>
+              <a:t>And this was especially true in states where the SAT or the ACT is compulsory. So states with 100% participation rates (the ones here for SAT and the ones here for ACT) generally had the lowest participation rates for the other test.</a:t>
             </a:r>
-            <a:r>
-              <a:rPr lang="en-US" baseline="0" dirty="0" smtClean="0"/>
-              <a:t>other test.</a:t>
-            </a:r>
-            <a:endParaRPr lang="en-US" baseline="0" dirty="0" smtClean="0"/>
           </a:p>
           <a:p>
             <a:pPr marL="171450" lvl="0" indent="-171450" algn="l" rtl="0">
@@ -2312,13 +2298,8 @@
             </a:pPr>
             <a:r>
               <a:rPr lang="en-US" sz="1100" dirty="0" smtClean="0"/>
-              <a:t>The first reason is that it does not have mandatory </a:t>
+              <a:t>The first reason is that it does not have mandatory ACT tests.</a:t>
             </a:r>
-            <a:r>
-              <a:rPr lang="en-US" sz="1100" dirty="0" smtClean="0"/>
-              <a:t>ACT tests.</a:t>
-            </a:r>
-            <a:endParaRPr lang="en-US" sz="1100" dirty="0" smtClean="0"/>
           </a:p>
           <a:p>
             <a:pPr marL="742950" lvl="1" indent="-285750">
@@ -2330,19 +2311,7 @@
             </a:pPr>
             <a:r>
               <a:rPr lang="en-US" sz="1100" dirty="0" smtClean="0"/>
-              <a:t>As we saw earlier, mandatory testing for </a:t>
-            </a:r>
-            <a:r>
-              <a:rPr lang="en-US" sz="1100" dirty="0" smtClean="0"/>
-              <a:t>the ACT usually </a:t>
-            </a:r>
-            <a:r>
-              <a:rPr lang="en-US" sz="1100" dirty="0" smtClean="0"/>
-              <a:t>results in </a:t>
-            </a:r>
-            <a:r>
-              <a:rPr lang="en-US" sz="1100" dirty="0" smtClean="0"/>
-              <a:t>very</a:t>
+              <a:t>As we saw earlier, mandatory testing for the ACT usually results in very</a:t>
             </a:r>
             <a:r>
               <a:rPr lang="en-US" sz="1100" baseline="0" dirty="0" smtClean="0"/>
@@ -2350,17 +2319,8 @@
             </a:r>
             <a:r>
               <a:rPr lang="en-US" sz="1100" dirty="0" smtClean="0"/>
-              <a:t>low </a:t>
+              <a:t>low participation rates of the SAT.</a:t>
             </a:r>
-            <a:r>
-              <a:rPr lang="en-US" sz="1100" dirty="0" smtClean="0"/>
-              <a:t>participation rates of </a:t>
-            </a:r>
-            <a:r>
-              <a:rPr lang="en-US" sz="1100" dirty="0" smtClean="0"/>
-              <a:t>the SAT.</a:t>
-            </a:r>
-            <a:endParaRPr lang="en-US" sz="1100" dirty="0" smtClean="0"/>
           </a:p>
           <a:p>
             <a:pPr marL="742950" lvl="1" indent="-285750">
@@ -2372,23 +2332,7 @@
             </a:pPr>
             <a:r>
               <a:rPr lang="en-US" sz="1100" dirty="0" smtClean="0"/>
-              <a:t>It will be difficult to raise low participation rates in </a:t>
-            </a:r>
-            <a:r>
-              <a:rPr lang="en-US" sz="1100" dirty="0" smtClean="0"/>
-              <a:t>SAT without </a:t>
-            </a:r>
-            <a:r>
-              <a:rPr lang="en-US" sz="1100" dirty="0" smtClean="0"/>
-              <a:t>first making </a:t>
-            </a:r>
-            <a:r>
-              <a:rPr lang="en-US" sz="1100" dirty="0" smtClean="0"/>
-              <a:t>ACT voluntary</a:t>
-            </a:r>
-            <a:r>
-              <a:rPr lang="en-US" sz="1100" dirty="0" smtClean="0"/>
-              <a:t>.</a:t>
+              <a:t>It will be difficult to raise low participation rates in SAT without first making ACT voluntary.</a:t>
             </a:r>
           </a:p>
           <a:p>
@@ -2533,23 +2477,11 @@
             </a:pPr>
             <a:r>
               <a:rPr lang="en-US" baseline="0" dirty="0" smtClean="0"/>
-              <a:t>it </a:t>
-            </a:r>
-            <a:r>
-              <a:rPr lang="en-US" baseline="0" dirty="0" smtClean="0"/>
-              <a:t>wasn’t </a:t>
+              <a:t>it wasn’t </a:t>
             </a:r>
             <a:r>
               <a:rPr lang="en-US" dirty="0" smtClean="0"/>
-              <a:t>among the </a:t>
-            </a:r>
-            <a:r>
-              <a:rPr lang="en-US" dirty="0" smtClean="0"/>
-              <a:t>lowest, but it </a:t>
-            </a:r>
-            <a:r>
-              <a:rPr lang="en-US" dirty="0" smtClean="0"/>
-              <a:t>was still below the 50th percentile in both 2017 and 2018.</a:t>
+              <a:t>among the lowest, but it was still below the 50th percentile in both 2017 and 2018.</a:t>
             </a:r>
             <a:endParaRPr lang="en-US" sz="1100" dirty="0" smtClean="0"/>
           </a:p>
@@ -2680,11 +2612,7 @@
             </a:r>
             <a:r>
               <a:rPr lang="en-US" sz="1100" dirty="0" smtClean="0"/>
-              <a:t>the most populous state in the US in both 2017 and 2018, and it is also the 9th most dense </a:t>
-            </a:r>
-            <a:r>
-              <a:rPr lang="en-US" sz="1100" dirty="0" smtClean="0"/>
-              <a:t>.</a:t>
+              <a:t>the most populous state in the US in both 2017 and 2018, and it is also the 9th most dense .</a:t>
             </a:r>
           </a:p>
           <a:p>
@@ -2736,11 +2664,7 @@
             </a:pPr>
             <a:r>
               <a:rPr lang="en-US" sz="1100" dirty="0" smtClean="0"/>
-              <a:t>This </a:t>
-            </a:r>
-            <a:r>
-              <a:rPr lang="en-US" sz="1100" dirty="0" smtClean="0"/>
-              <a:t>would allow</a:t>
+              <a:t>This would allow</a:t>
             </a:r>
             <a:r>
               <a:rPr lang="en-US" sz="1100" baseline="0" dirty="0" smtClean="0"/>
@@ -2748,19 +2672,7 @@
             </a:r>
             <a:r>
               <a:rPr lang="en-US" sz="1100" dirty="0" smtClean="0"/>
-              <a:t>greater </a:t>
-            </a:r>
-            <a:r>
-              <a:rPr lang="en-US" sz="1100" dirty="0" smtClean="0"/>
-              <a:t>efficiency in </a:t>
-            </a:r>
-            <a:r>
-              <a:rPr lang="en-US" sz="1100" dirty="0" smtClean="0"/>
-              <a:t>distributing efforts </a:t>
-            </a:r>
-            <a:r>
-              <a:rPr lang="en-US" sz="1100" dirty="0" smtClean="0"/>
-              <a:t>to increase SAT participation rates.</a:t>
+              <a:t>greater efficiency in distributing efforts to increase SAT participation rates.</a:t>
             </a:r>
           </a:p>
           <a:p>
@@ -7602,6 +7514,98 @@
   <p:cSld>
     <p:spTree>
       <p:nvGrpSpPr>
+        <p:cNvPr id="1" name=""/>
+        <p:cNvGrpSpPr/>
+        <p:nvPr/>
+      </p:nvGrpSpPr>
+      <p:grpSpPr>
+        <a:xfrm>
+          <a:off x="0" y="0"/>
+          <a:ext cx="0" cy="0"/>
+          <a:chOff x="0" y="0"/>
+          <a:chExt cx="0" cy="0"/>
+        </a:xfrm>
+      </p:grpSpPr>
+      <p:sp>
+        <p:nvSpPr>
+          <p:cNvPr id="2" name="Text Placeholder 1"/>
+          <p:cNvSpPr>
+            <a:spLocks noGrp="1"/>
+          </p:cNvSpPr>
+          <p:nvPr>
+            <p:ph type="body" idx="1"/>
+          </p:nvPr>
+        </p:nvSpPr>
+        <p:spPr/>
+        <p:txBody>
+          <a:bodyPr/>
+          <a:lstStyle/>
+          <a:p>
+            <a:r>
+              <a:rPr lang="en-US" dirty="0" smtClean="0"/>
+              <a:t>Extra slides</a:t>
+            </a:r>
+            <a:endParaRPr lang="en-US" dirty="0"/>
+          </a:p>
+        </p:txBody>
+      </p:sp>
+      <p:sp>
+        <p:nvSpPr>
+          <p:cNvPr id="3" name="Slide Number Placeholder 2"/>
+          <p:cNvSpPr>
+            <a:spLocks noGrp="1"/>
+          </p:cNvSpPr>
+          <p:nvPr>
+            <p:ph type="sldNum" idx="12"/>
+          </p:nvPr>
+        </p:nvSpPr>
+        <p:spPr/>
+        <p:txBody>
+          <a:bodyPr/>
+          <a:lstStyle/>
+          <a:p>
+            <a:pPr marL="0" lvl="0" indent="0" algn="r" rtl="0">
+              <a:spcBef>
+                <a:spcPts val="0"/>
+              </a:spcBef>
+              <a:spcAft>
+                <a:spcPts val="0"/>
+              </a:spcAft>
+              <a:buNone/>
+            </a:pPr>
+            <a:fld id="{00000000-1234-1234-1234-123412341234}" type="slidenum">
+              <a:rPr lang="en-GB" smtClean="0"/>
+              <a:t>11</a:t>
+            </a:fld>
+            <a:endParaRPr lang="en-GB"/>
+          </a:p>
+        </p:txBody>
+      </p:sp>
+    </p:spTree>
+    <p:extLst>
+      <p:ext uri="{BB962C8B-B14F-4D97-AF65-F5344CB8AC3E}">
+        <p14:creationId xmlns:p14="http://schemas.microsoft.com/office/powerpoint/2010/main" val="398501268"/>
+      </p:ext>
+    </p:extLst>
+  </p:cSld>
+  <p:clrMapOvr>
+    <a:masterClrMapping/>
+  </p:clrMapOvr>
+  <p:timing>
+    <p:tnLst>
+      <p:par>
+        <p:cTn id="1" dur="indefinite" restart="never" nodeType="tmRoot"/>
+      </p:par>
+    </p:tnLst>
+  </p:timing>
+</p:sld>
+</file>
+
+<file path=ppt/slides/slide12.xml><?xml version="1.0" encoding="utf-8"?>
+<p:sld xmlns:a="http://schemas.openxmlformats.org/drawingml/2006/main" xmlns:r="http://schemas.openxmlformats.org/officeDocument/2006/relationships" xmlns:p="http://schemas.openxmlformats.org/presentationml/2006/main">
+  <p:cSld>
+    <p:spTree>
+      <p:nvGrpSpPr>
         <p:cNvPr id="1" name="Shape 77"/>
         <p:cNvGrpSpPr/>
         <p:nvPr/>
@@ -7798,7 +7802,7 @@
             </a:pPr>
             <a:fld id="{00000000-1234-1234-1234-123412341234}" type="slidenum">
               <a:rPr lang="en-GB" smtClean="0"/>
-              <a:t>11</a:t>
+              <a:t>12</a:t>
             </a:fld>
             <a:endParaRPr lang="en-GB"/>
           </a:p>
@@ -7808,98 +7812,6 @@
     <p:extLst>
       <p:ext uri="{BB962C8B-B14F-4D97-AF65-F5344CB8AC3E}">
         <p14:creationId xmlns:p14="http://schemas.microsoft.com/office/powerpoint/2010/main" val="2027906009"/>
-      </p:ext>
-    </p:extLst>
-  </p:cSld>
-  <p:clrMapOvr>
-    <a:masterClrMapping/>
-  </p:clrMapOvr>
-  <p:timing>
-    <p:tnLst>
-      <p:par>
-        <p:cTn id="1" dur="indefinite" restart="never" nodeType="tmRoot"/>
-      </p:par>
-    </p:tnLst>
-  </p:timing>
-</p:sld>
-</file>
-
-<file path=ppt/slides/slide12.xml><?xml version="1.0" encoding="utf-8"?>
-<p:sld xmlns:a="http://schemas.openxmlformats.org/drawingml/2006/main" xmlns:r="http://schemas.openxmlformats.org/officeDocument/2006/relationships" xmlns:p="http://schemas.openxmlformats.org/presentationml/2006/main">
-  <p:cSld>
-    <p:spTree>
-      <p:nvGrpSpPr>
-        <p:cNvPr id="1" name=""/>
-        <p:cNvGrpSpPr/>
-        <p:nvPr/>
-      </p:nvGrpSpPr>
-      <p:grpSpPr>
-        <a:xfrm>
-          <a:off x="0" y="0"/>
-          <a:ext cx="0" cy="0"/>
-          <a:chOff x="0" y="0"/>
-          <a:chExt cx="0" cy="0"/>
-        </a:xfrm>
-      </p:grpSpPr>
-      <p:sp>
-        <p:nvSpPr>
-          <p:cNvPr id="2" name="Text Placeholder 1"/>
-          <p:cNvSpPr>
-            <a:spLocks noGrp="1"/>
-          </p:cNvSpPr>
-          <p:nvPr>
-            <p:ph type="body" idx="1"/>
-          </p:nvPr>
-        </p:nvSpPr>
-        <p:spPr/>
-        <p:txBody>
-          <a:bodyPr/>
-          <a:lstStyle/>
-          <a:p>
-            <a:r>
-              <a:rPr lang="en-US" dirty="0" smtClean="0"/>
-              <a:t>Extra slides</a:t>
-            </a:r>
-            <a:endParaRPr lang="en-US" dirty="0"/>
-          </a:p>
-        </p:txBody>
-      </p:sp>
-      <p:sp>
-        <p:nvSpPr>
-          <p:cNvPr id="3" name="Slide Number Placeholder 2"/>
-          <p:cNvSpPr>
-            <a:spLocks noGrp="1"/>
-          </p:cNvSpPr>
-          <p:nvPr>
-            <p:ph type="sldNum" idx="12"/>
-          </p:nvPr>
-        </p:nvSpPr>
-        <p:spPr/>
-        <p:txBody>
-          <a:bodyPr/>
-          <a:lstStyle/>
-          <a:p>
-            <a:pPr marL="0" lvl="0" indent="0" algn="r" rtl="0">
-              <a:spcBef>
-                <a:spcPts val="0"/>
-              </a:spcBef>
-              <a:spcAft>
-                <a:spcPts val="0"/>
-              </a:spcAft>
-              <a:buNone/>
-            </a:pPr>
-            <a:fld id="{00000000-1234-1234-1234-123412341234}" type="slidenum">
-              <a:rPr lang="en-GB" smtClean="0"/>
-              <a:t>12</a:t>
-            </a:fld>
-            <a:endParaRPr lang="en-GB"/>
-          </a:p>
-        </p:txBody>
-      </p:sp>
-    </p:spTree>
-    <p:extLst>
-      <p:ext uri="{BB962C8B-B14F-4D97-AF65-F5344CB8AC3E}">
-        <p14:creationId xmlns:p14="http://schemas.microsoft.com/office/powerpoint/2010/main" val="398501268"/>
       </p:ext>
     </p:extLst>
   </p:cSld>
@@ -14946,15 +14858,7 @@
             </a:pPr>
             <a:r>
               <a:rPr lang="en-US" sz="2400" b="1" dirty="0" smtClean="0"/>
-              <a:t>Efforts should </a:t>
-            </a:r>
-            <a:r>
-              <a:rPr lang="en-US" sz="2400" b="1" dirty="0" smtClean="0"/>
-              <a:t>focus on improving </a:t>
-            </a:r>
-            <a:r>
-              <a:rPr lang="en-US" sz="2400" b="1" dirty="0" smtClean="0"/>
-              <a:t>SAT participation rates in </a:t>
+              <a:t>Efforts should focus on improving SAT participation rates in </a:t>
             </a:r>
             <a:r>
               <a:rPr lang="en-US" sz="2400" b="1" dirty="0" smtClean="0">
